--- a/规约生成.pptx
+++ b/规约生成.pptx
@@ -7990,6 +7990,58 @@
           </a:fontRef>
         </p:style>
       </p:cxnSp>
+      <p:sp>
+        <p:nvSpPr>
+          <p:cNvPr id="2" name="矩形: 圆角 1">
+            <a:extLst>
+              <a:ext uri="{FF2B5EF4-FFF2-40B4-BE49-F238E27FC236}">
+                <a16:creationId xmlns:a16="http://schemas.microsoft.com/office/drawing/2014/main" id="{9794CAE6-FF87-39D5-C026-795704A29A11}"/>
+              </a:ext>
+            </a:extLst>
+          </p:cNvPr>
+          <p:cNvSpPr/>
+          <p:nvPr/>
+        </p:nvSpPr>
+        <p:spPr>
+          <a:xfrm>
+            <a:off x="6941389" y="3158652"/>
+            <a:ext cx="2455653" cy="801589"/>
+          </a:xfrm>
+          <a:prstGeom prst="roundRect">
+            <a:avLst/>
+          </a:prstGeom>
+          <a:solidFill>
+            <a:schemeClr val="accent5">
+              <a:alpha val="50000"/>
+            </a:schemeClr>
+          </a:solidFill>
+          <a:ln>
+            <a:noFill/>
+          </a:ln>
+        </p:spPr>
+        <p:style>
+          <a:lnRef idx="0">
+            <a:scrgbClr r="0" g="0" b="0"/>
+          </a:lnRef>
+          <a:fillRef idx="0">
+            <a:scrgbClr r="0" g="0" b="0"/>
+          </a:fillRef>
+          <a:effectRef idx="0">
+            <a:scrgbClr r="0" g="0" b="0"/>
+          </a:effectRef>
+          <a:fontRef idx="minor">
+            <a:schemeClr val="lt1"/>
+          </a:fontRef>
+        </p:style>
+        <p:txBody>
+          <a:bodyPr rtlCol="0" anchor="ctr"/>
+          <a:lstStyle/>
+          <a:p>
+            <a:pPr algn="ctr"/>
+            <a:endParaRPr lang="zh-CN" altLang="en-US"/>
+          </a:p>
+        </p:txBody>
+      </p:sp>
     </p:spTree>
   </p:cSld>
   <p:clrMapOvr>
@@ -8023,8 +8075,8 @@
         </p:nvSpPr>
         <p:spPr>
           <a:xfrm>
-            <a:off x="190504" y="1019194"/>
-            <a:ext cx="1863724" cy="419100"/>
+            <a:off x="190504" y="1019193"/>
+            <a:ext cx="1863724" cy="660081"/>
           </a:xfrm>
           <a:prstGeom prst="roundRect">
             <a:avLst/>
@@ -8050,10 +8102,17 @@
           <a:p>
             <a:pPr algn="ctr"/>
             <a:r>
-              <a:rPr lang="en-US" altLang="zh-CN" dirty="0"/>
-              <a:t>mpropositions</a:t>
-            </a:r>
-            <a:endParaRPr lang="zh-CN" altLang="en-US" dirty="0"/>
+              <a:rPr lang="zh-CN" altLang="en-US" dirty="0"/>
+              <a:t>命题</a:t>
+            </a:r>
+            <a:endParaRPr lang="en-US" altLang="zh-CN" dirty="0"/>
+          </a:p>
+          <a:p>
+            <a:pPr algn="ctr"/>
+            <a:r>
+              <a:rPr lang="zh-CN" altLang="en-US" dirty="0"/>
+              <a:t>命题的解释</a:t>
+            </a:r>
           </a:p>
         </p:txBody>
       </p:sp>
@@ -8066,7 +8125,7 @@
         <p:spPr>
           <a:xfrm>
             <a:off x="190504" y="2128539"/>
-            <a:ext cx="1863724" cy="419100"/>
+            <a:ext cx="1863724" cy="660080"/>
           </a:xfrm>
           <a:prstGeom prst="roundRect">
             <a:avLst/>
@@ -8092,10 +8151,9 @@
           <a:p>
             <a:pPr algn="ctr"/>
             <a:r>
-              <a:rPr lang="en-US" altLang="zh-CN" dirty="0"/>
-              <a:t>componentsInfo</a:t>
-            </a:r>
-            <a:endParaRPr lang="zh-CN" altLang="en-US" dirty="0"/>
+              <a:rPr lang="zh-CN" altLang="en-US" dirty="0"/>
+              <a:t>组件库中组件信息</a:t>
+            </a:r>
           </a:p>
         </p:txBody>
       </p:sp>
@@ -8165,8 +8223,8 @@
         </p:nvCxnSpPr>
         <p:spPr>
           <a:xfrm>
-            <a:off x="2054228" y="1228744"/>
-            <a:ext cx="501647" cy="532111"/>
+            <a:off x="2054228" y="1349234"/>
+            <a:ext cx="501647" cy="411621"/>
           </a:xfrm>
           <a:prstGeom prst="bentConnector3">
             <a:avLst>
@@ -8205,7 +8263,7 @@
         <p:spPr>
           <a:xfrm flipV="1">
             <a:off x="2054228" y="1760855"/>
-            <a:ext cx="501647" cy="577234"/>
+            <a:ext cx="501647" cy="697724"/>
           </a:xfrm>
           <a:prstGeom prst="bentConnector3">
             <a:avLst>
@@ -8231,42 +8289,6 @@
           </a:fontRef>
         </p:style>
       </p:cxnSp>
-      <p:cxnSp>
-        <p:nvCxnSpPr>
-          <p:cNvPr id="26" name="直接箭头连接符 25"/>
-          <p:cNvCxnSpPr>
-            <a:stCxn id="18" idx="3"/>
-            <a:endCxn id="20" idx="1"/>
-          </p:cNvCxnSpPr>
-          <p:nvPr/>
-        </p:nvCxnSpPr>
-        <p:spPr>
-          <a:xfrm>
-            <a:off x="5104130" y="1760855"/>
-            <a:ext cx="437515" cy="0"/>
-          </a:xfrm>
-          <a:prstGeom prst="straightConnector1">
-            <a:avLst/>
-          </a:prstGeom>
-          <a:ln>
-            <a:tailEnd type="arrow"/>
-          </a:ln>
-        </p:spPr>
-        <p:style>
-          <a:lnRef idx="2">
-            <a:schemeClr val="accent1"/>
-          </a:lnRef>
-          <a:fillRef idx="0">
-            <a:srgbClr val="FFFFFF"/>
-          </a:fillRef>
-          <a:effectRef idx="0">
-            <a:srgbClr val="FFFFFF"/>
-          </a:effectRef>
-          <a:fontRef idx="minor">
-            <a:schemeClr val="tx1"/>
-          </a:fontRef>
-        </p:style>
-      </p:cxnSp>
       <p:sp>
         <p:nvSpPr>
           <p:cNvPr id="28" name="矩形: 圆角 78"/>
@@ -8275,8 +8297,8 @@
         </p:nvSpPr>
         <p:spPr>
           <a:xfrm>
-            <a:off x="5605780" y="1551305"/>
-            <a:ext cx="2058670" cy="419100"/>
+            <a:off x="5634355" y="1472238"/>
+            <a:ext cx="2058670" cy="577233"/>
           </a:xfrm>
           <a:prstGeom prst="roundRect">
             <a:avLst/>
@@ -8307,7 +8329,7 @@
             </a:r>
             <a:r>
               <a:rPr lang="zh-CN" altLang="en-US" dirty="0"/>
-              <a:t>集合</a:t>
+              <a:t>对集合</a:t>
             </a:r>
           </a:p>
         </p:txBody>
@@ -8368,42 +8390,6 @@
           </a:p>
         </p:txBody>
       </p:sp>
-      <p:cxnSp>
-        <p:nvCxnSpPr>
-          <p:cNvPr id="36" name="直接箭头连接符 35"/>
-          <p:cNvCxnSpPr>
-            <a:stCxn id="28" idx="3"/>
-            <a:endCxn id="29" idx="1"/>
-          </p:cNvCxnSpPr>
-          <p:nvPr/>
-        </p:nvCxnSpPr>
-        <p:spPr>
-          <a:xfrm>
-            <a:off x="7664450" y="1760855"/>
-            <a:ext cx="902970" cy="0"/>
-          </a:xfrm>
-          <a:prstGeom prst="straightConnector1">
-            <a:avLst/>
-          </a:prstGeom>
-          <a:ln>
-            <a:tailEnd type="arrow"/>
-          </a:ln>
-        </p:spPr>
-        <p:style>
-          <a:lnRef idx="2">
-            <a:schemeClr val="accent1"/>
-          </a:lnRef>
-          <a:fillRef idx="0">
-            <a:srgbClr val="FFFFFF"/>
-          </a:fillRef>
-          <a:effectRef idx="0">
-            <a:srgbClr val="FFFFFF"/>
-          </a:effectRef>
-          <a:fontRef idx="minor">
-            <a:schemeClr val="tx1"/>
-          </a:fontRef>
-        </p:style>
-      </p:cxnSp>
       <p:sp>
         <p:nvSpPr>
           <p:cNvPr id="38" name="矩形: 圆角 78"/>
@@ -8662,15 +8648,16 @@
         <p:nvCxnSpPr>
           <p:cNvPr id="55" name="直接箭头连接符 54"/>
           <p:cNvCxnSpPr>
+            <a:cxnSpLocks/>
             <a:stCxn id="28" idx="2"/>
             <a:endCxn id="51" idx="0"/>
           </p:cNvCxnSpPr>
           <p:nvPr/>
         </p:nvCxnSpPr>
         <p:spPr>
-          <a:xfrm>
-            <a:off x="6635115" y="1970405"/>
-            <a:ext cx="0" cy="1816735"/>
+          <a:xfrm flipH="1">
+            <a:off x="6643370" y="2049471"/>
+            <a:ext cx="20320" cy="1737669"/>
           </a:xfrm>
           <a:prstGeom prst="straightConnector1">
             <a:avLst/>
@@ -8688,6 +8675,195 @@
           </a:fillRef>
           <a:effectRef idx="0">
             <a:srgbClr val="FFFFFF"/>
+          </a:effectRef>
+          <a:fontRef idx="minor">
+            <a:schemeClr val="tx1"/>
+          </a:fontRef>
+        </p:style>
+      </p:cxnSp>
+      <p:sp>
+        <p:nvSpPr>
+          <p:cNvPr id="2" name="矩形: 圆角 1">
+            <a:extLst>
+              <a:ext uri="{FF2B5EF4-FFF2-40B4-BE49-F238E27FC236}">
+                <a16:creationId xmlns:a16="http://schemas.microsoft.com/office/drawing/2014/main" id="{DE9C7FE3-9D3B-D29B-8E65-B2AFE8DAA762}"/>
+              </a:ext>
+            </a:extLst>
+          </p:cNvPr>
+          <p:cNvSpPr/>
+          <p:nvPr/>
+        </p:nvSpPr>
+        <p:spPr>
+          <a:xfrm>
+            <a:off x="5758815" y="4943475"/>
+            <a:ext cx="1752600" cy="1079500"/>
+          </a:xfrm>
+          <a:prstGeom prst="roundRect">
+            <a:avLst/>
+          </a:prstGeom>
+        </p:spPr>
+        <p:style>
+          <a:lnRef idx="2">
+            <a:schemeClr val="accent1"/>
+          </a:lnRef>
+          <a:fillRef idx="1">
+            <a:schemeClr val="lt1"/>
+          </a:fillRef>
+          <a:effectRef idx="0">
+            <a:schemeClr val="accent1"/>
+          </a:effectRef>
+          <a:fontRef idx="minor">
+            <a:schemeClr val="dk1"/>
+          </a:fontRef>
+        </p:style>
+        <p:txBody>
+          <a:bodyPr rtlCol="0" anchor="ctr"/>
+          <a:lstStyle/>
+          <a:p>
+            <a:pPr algn="ctr"/>
+            <a:r>
+              <a:rPr lang="zh-CN" altLang="en-US" dirty="0"/>
+              <a:t>组件推荐结果</a:t>
+            </a:r>
+            <a:endParaRPr lang="en-US" altLang="zh-CN" dirty="0"/>
+          </a:p>
+          <a:p>
+            <a:pPr algn="ctr"/>
+            <a:r>
+              <a:rPr lang="en-US" altLang="zh-CN" dirty="0"/>
+              <a:t>sensorRecList</a:t>
+            </a:r>
+          </a:p>
+          <a:p>
+            <a:pPr algn="ctr"/>
+            <a:r>
+              <a:rPr lang="en-US" altLang="zh-CN" dirty="0"/>
+              <a:t>actionRecList</a:t>
+            </a:r>
+            <a:endParaRPr lang="zh-CN" altLang="en-US" dirty="0"/>
+          </a:p>
+        </p:txBody>
+      </p:sp>
+      <p:cxnSp>
+        <p:nvCxnSpPr>
+          <p:cNvPr id="5" name="直接箭头连接符 4">
+            <a:extLst>
+              <a:ext uri="{FF2B5EF4-FFF2-40B4-BE49-F238E27FC236}">
+                <a16:creationId xmlns:a16="http://schemas.microsoft.com/office/drawing/2014/main" id="{3C28D1A1-755D-3634-B231-8A565A07414D}"/>
+              </a:ext>
+            </a:extLst>
+          </p:cNvPr>
+          <p:cNvCxnSpPr>
+            <a:stCxn id="51" idx="2"/>
+            <a:endCxn id="2" idx="0"/>
+          </p:cNvCxnSpPr>
+          <p:nvPr/>
+        </p:nvCxnSpPr>
+        <p:spPr>
+          <a:xfrm flipH="1">
+            <a:off x="6635115" y="4206240"/>
+            <a:ext cx="8255" cy="737235"/>
+          </a:xfrm>
+          <a:prstGeom prst="straightConnector1">
+            <a:avLst/>
+          </a:prstGeom>
+          <a:ln>
+            <a:tailEnd type="triangle"/>
+          </a:ln>
+        </p:spPr>
+        <p:style>
+          <a:lnRef idx="1">
+            <a:schemeClr val="accent1"/>
+          </a:lnRef>
+          <a:fillRef idx="0">
+            <a:schemeClr val="accent1"/>
+          </a:fillRef>
+          <a:effectRef idx="0">
+            <a:schemeClr val="accent1"/>
+          </a:effectRef>
+          <a:fontRef idx="minor">
+            <a:schemeClr val="tx1"/>
+          </a:fontRef>
+        </p:style>
+      </p:cxnSp>
+      <p:cxnSp>
+        <p:nvCxnSpPr>
+          <p:cNvPr id="14" name="直接箭头连接符 13">
+            <a:extLst>
+              <a:ext uri="{FF2B5EF4-FFF2-40B4-BE49-F238E27FC236}">
+                <a16:creationId xmlns:a16="http://schemas.microsoft.com/office/drawing/2014/main" id="{9FE40CF9-FE26-F530-C917-C5507BF8651D}"/>
+              </a:ext>
+            </a:extLst>
+          </p:cNvPr>
+          <p:cNvCxnSpPr>
+            <a:stCxn id="18" idx="3"/>
+            <a:endCxn id="28" idx="1"/>
+          </p:cNvCxnSpPr>
+          <p:nvPr/>
+        </p:nvCxnSpPr>
+        <p:spPr>
+          <a:xfrm>
+            <a:off x="5104130" y="1760855"/>
+            <a:ext cx="530225" cy="0"/>
+          </a:xfrm>
+          <a:prstGeom prst="straightConnector1">
+            <a:avLst/>
+          </a:prstGeom>
+          <a:ln>
+            <a:tailEnd type="triangle"/>
+          </a:ln>
+        </p:spPr>
+        <p:style>
+          <a:lnRef idx="1">
+            <a:schemeClr val="accent1"/>
+          </a:lnRef>
+          <a:fillRef idx="0">
+            <a:schemeClr val="accent1"/>
+          </a:fillRef>
+          <a:effectRef idx="0">
+            <a:schemeClr val="accent1"/>
+          </a:effectRef>
+          <a:fontRef idx="minor">
+            <a:schemeClr val="tx1"/>
+          </a:fontRef>
+        </p:style>
+      </p:cxnSp>
+      <p:cxnSp>
+        <p:nvCxnSpPr>
+          <p:cNvPr id="16" name="直接箭头连接符 15">
+            <a:extLst>
+              <a:ext uri="{FF2B5EF4-FFF2-40B4-BE49-F238E27FC236}">
+                <a16:creationId xmlns:a16="http://schemas.microsoft.com/office/drawing/2014/main" id="{0C39515C-3AE9-61FB-4C91-F9E7B89D3787}"/>
+              </a:ext>
+            </a:extLst>
+          </p:cNvPr>
+          <p:cNvCxnSpPr>
+            <a:stCxn id="28" idx="3"/>
+            <a:endCxn id="29" idx="1"/>
+          </p:cNvCxnSpPr>
+          <p:nvPr/>
+        </p:nvCxnSpPr>
+        <p:spPr>
+          <a:xfrm>
+            <a:off x="7693025" y="1760855"/>
+            <a:ext cx="874395" cy="0"/>
+          </a:xfrm>
+          <a:prstGeom prst="straightConnector1">
+            <a:avLst/>
+          </a:prstGeom>
+          <a:ln>
+            <a:tailEnd type="triangle"/>
+          </a:ln>
+        </p:spPr>
+        <p:style>
+          <a:lnRef idx="1">
+            <a:schemeClr val="accent1"/>
+          </a:lnRef>
+          <a:fillRef idx="0">
+            <a:schemeClr val="accent1"/>
+          </a:fillRef>
+          <a:effectRef idx="0">
+            <a:schemeClr val="accent1"/>
           </a:effectRef>
           <a:fontRef idx="minor">
             <a:schemeClr val="tx1"/>
@@ -9833,8 +10009,8 @@
         </p:nvSpPr>
         <p:spPr>
           <a:xfrm>
-            <a:off x="234951" y="3878229"/>
-            <a:ext cx="1435100" cy="583377"/>
+            <a:off x="60325" y="3510296"/>
+            <a:ext cx="1609726" cy="1366631"/>
           </a:xfrm>
           <a:prstGeom prst="roundRect">
             <a:avLst/>
@@ -9861,8 +10037,17 @@
             <a:pPr algn="ctr"/>
             <a:r>
               <a:rPr lang="zh-CN" altLang="en-US" dirty="0"/>
-              <a:t>软件架构选择</a:t>
-            </a:r>
+              <a:t>软件架构选择结果</a:t>
+            </a:r>
+            <a:endParaRPr lang="en-US" altLang="zh-CN" dirty="0"/>
+          </a:p>
+          <a:p>
+            <a:pPr algn="ctr"/>
+            <a:r>
+              <a:rPr lang="en-US" altLang="zh-CN" dirty="0"/>
+              <a:t>Software archtecture</a:t>
+            </a:r>
+            <a:endParaRPr lang="zh-CN" altLang="en-US" dirty="0"/>
           </a:p>
         </p:txBody>
       </p:sp>
@@ -9972,9 +10157,9 @@
           <p:nvPr/>
         </p:nvCxnSpPr>
         <p:spPr>
-          <a:xfrm>
+          <a:xfrm flipV="1">
             <a:off x="1670051" y="4169918"/>
-            <a:ext cx="457199" cy="0"/>
+            <a:ext cx="457199" cy="23694"/>
           </a:xfrm>
           <a:prstGeom prst="straightConnector1">
             <a:avLst/>
